--- a/IPL_analysis_Problem_Statement.pptx
+++ b/IPL_analysis_Problem_Statement.pptx
@@ -6,9 +6,9 @@
   </p:sldMasterIdLst>
   <p:sldIdLst>
     <p:sldId id="257" r:id="rId2"/>
-    <p:sldId id="258" r:id="rId3"/>
-    <p:sldId id="259" r:id="rId4"/>
-    <p:sldId id="260" r:id="rId5"/>
+    <p:sldId id="259" r:id="rId3"/>
+    <p:sldId id="260" r:id="rId4"/>
+    <p:sldId id="261" r:id="rId5"/>
   </p:sldIdLst>
   <p:sldSz cx="12192000" cy="6858000"/>
   <p:notesSz cx="6858000" cy="9144000"/>
@@ -107,6 +107,11 @@
       </a:defRPr>
     </a:lvl9pPr>
   </p:defaultTextStyle>
+  <p:extLst>
+    <p:ext uri="{EFAFB233-063F-42B5-8137-9DF3F51BA10A}">
+      <p15:sldGuideLst xmlns:p15="http://schemas.microsoft.com/office/powerpoint/2012/main"/>
+    </p:ext>
+  </p:extLst>
 </p:presentation>
 </file>
 
@@ -3907,7 +3912,7 @@
                 </a:solidFill>
                 <a:latin typeface="Lato Black" panose="020F0A02020204030203" pitchFamily="34" charset="0"/>
               </a:rPr>
-              <a:t>STEPS IN PROJECT</a:t>
+              <a:t>REQUIREMENT</a:t>
             </a:r>
           </a:p>
         </p:txBody>
@@ -3926,8 +3931,8 @@
         </p:nvSpPr>
         <p:spPr>
           <a:xfrm>
-            <a:off x="534552" y="1776739"/>
-            <a:ext cx="5480052" cy="3478837"/>
+            <a:off x="602556" y="1419235"/>
+            <a:ext cx="10570328" cy="4648196"/>
           </a:xfrm>
           <a:prstGeom prst="rect">
             <a:avLst/>
@@ -3940,24 +3945,43 @@
           </a:bodyPr>
           <a:lstStyle/>
           <a:p>
+            <a:pPr>
+              <a:lnSpc>
+                <a:spcPct val="150000"/>
+              </a:lnSpc>
+            </a:pPr>
+            <a:r>
+              <a:rPr lang="en-IN" sz="2000" dirty="0">
+                <a:solidFill>
+                  <a:schemeClr val="accent2">
+                    <a:lumMod val="60000"/>
+                    <a:lumOff val="40000"/>
+                  </a:schemeClr>
+                </a:solidFill>
+                <a:latin typeface="Lato Black" panose="020F0A02020204030203" pitchFamily="34" charset="0"/>
+              </a:rPr>
+              <a:t>Develop an IPL Dashboard for season 2008 to 2022 to have a detailed insight on below problem statements</a:t>
+            </a:r>
+          </a:p>
+          <a:p>
             <a:pPr marL="342900" indent="-342900">
               <a:lnSpc>
                 <a:spcPct val="150000"/>
               </a:lnSpc>
               <a:buFont typeface="Wingdings" panose="05000000000000000000" pitchFamily="2" charset="2"/>
-              <a:buChar char="Ø"/>
+              <a:buChar char="v"/>
             </a:pPr>
             <a:r>
-              <a:rPr lang="en-IN" sz="2500" dirty="0">
-                <a:solidFill>
-                  <a:schemeClr val="accent2">
-                    <a:lumMod val="60000"/>
-                    <a:lumOff val="40000"/>
+              <a:rPr lang="en-IN" sz="2000" dirty="0">
+                <a:solidFill>
+                  <a:schemeClr val="accent5">
+                    <a:lumMod val="40000"/>
+                    <a:lumOff val="60000"/>
                   </a:schemeClr>
                 </a:solidFill>
                 <a:latin typeface="Lato Black" panose="020F0A02020204030203" pitchFamily="34" charset="0"/>
               </a:rPr>
-              <a:t>Requirement Gathering</a:t>
+              <a:t>Fine the Title Winner, Orange Cap Winner, Purple Cap Winner, Tournament 6’s and 4’s for the respective seasons on IPL</a:t>
             </a:r>
           </a:p>
           <a:p>
@@ -3966,19 +3990,19 @@
                 <a:spcPct val="150000"/>
               </a:lnSpc>
               <a:buFont typeface="Wingdings" panose="05000000000000000000" pitchFamily="2" charset="2"/>
-              <a:buChar char="Ø"/>
+              <a:buChar char="v"/>
             </a:pPr>
             <a:r>
-              <a:rPr lang="en-IN" sz="2500" dirty="0">
-                <a:solidFill>
-                  <a:schemeClr val="accent2">
-                    <a:lumMod val="60000"/>
-                    <a:lumOff val="40000"/>
+              <a:rPr lang="en-IN" sz="2000" dirty="0">
+                <a:solidFill>
+                  <a:schemeClr val="accent5">
+                    <a:lumMod val="40000"/>
+                    <a:lumOff val="60000"/>
                   </a:schemeClr>
                 </a:solidFill>
                 <a:latin typeface="Lato Black" panose="020F0A02020204030203" pitchFamily="34" charset="0"/>
               </a:rPr>
-              <a:t>Stakeholders in Project</a:t>
+              <a:t>Develop IPL Batting and Bowling stats and add a filter where user can select the bowler and batsman to see these stats.</a:t>
             </a:r>
           </a:p>
           <a:p>
@@ -3987,19 +4011,19 @@
                 <a:spcPct val="150000"/>
               </a:lnSpc>
               <a:buFont typeface="Wingdings" panose="05000000000000000000" pitchFamily="2" charset="2"/>
-              <a:buChar char="Ø"/>
+              <a:buChar char="v"/>
             </a:pPr>
             <a:r>
-              <a:rPr lang="en-IN" sz="2500" dirty="0">
-                <a:solidFill>
-                  <a:schemeClr val="accent2">
-                    <a:lumMod val="60000"/>
-                    <a:lumOff val="40000"/>
+              <a:rPr lang="en-IN" sz="2000" dirty="0">
+                <a:solidFill>
+                  <a:schemeClr val="accent5">
+                    <a:lumMod val="40000"/>
+                    <a:lumOff val="60000"/>
                   </a:schemeClr>
                 </a:solidFill>
                 <a:latin typeface="Lato Black" panose="020F0A02020204030203" pitchFamily="34" charset="0"/>
               </a:rPr>
-              <a:t>Import Data in MS SQL Server </a:t>
+              <a:t>Winning percentage based on the toss decision</a:t>
             </a:r>
           </a:p>
           <a:p>
@@ -4008,19 +4032,19 @@
                 <a:spcPct val="150000"/>
               </a:lnSpc>
               <a:buFont typeface="Wingdings" panose="05000000000000000000" pitchFamily="2" charset="2"/>
-              <a:buChar char="Ø"/>
+              <a:buChar char="v"/>
             </a:pPr>
             <a:r>
-              <a:rPr lang="en-IN" sz="2500" dirty="0">
-                <a:solidFill>
-                  <a:schemeClr val="accent2">
-                    <a:lumMod val="60000"/>
-                    <a:lumOff val="40000"/>
+              <a:rPr lang="en-IN" sz="2000" dirty="0">
+                <a:solidFill>
+                  <a:schemeClr val="accent5">
+                    <a:lumMod val="40000"/>
+                    <a:lumOff val="60000"/>
                   </a:schemeClr>
                 </a:solidFill>
                 <a:latin typeface="Lato Black" panose="020F0A02020204030203" pitchFamily="34" charset="0"/>
               </a:rPr>
-              <a:t>Import Data PostgreSQL DB</a:t>
+              <a:t>Matches win by venue</a:t>
             </a:r>
           </a:p>
           <a:p>
@@ -4029,19 +4053,19 @@
                 <a:spcPct val="150000"/>
               </a:lnSpc>
               <a:buFont typeface="Wingdings" panose="05000000000000000000" pitchFamily="2" charset="2"/>
-              <a:buChar char="Ø"/>
+              <a:buChar char="v"/>
             </a:pPr>
             <a:r>
-              <a:rPr lang="en-IN" sz="2500" dirty="0">
-                <a:solidFill>
-                  <a:schemeClr val="accent2">
-                    <a:lumMod val="60000"/>
-                    <a:lumOff val="40000"/>
+              <a:rPr lang="en-IN" sz="2000" dirty="0">
+                <a:solidFill>
+                  <a:schemeClr val="accent5">
+                    <a:lumMod val="40000"/>
+                    <a:lumOff val="60000"/>
                   </a:schemeClr>
                 </a:solidFill>
                 <a:latin typeface="Lato Black" panose="020F0A02020204030203" pitchFamily="34" charset="0"/>
               </a:rPr>
-              <a:t>Connecting Power BI to Database</a:t>
+              <a:t>Total wins by team in a season</a:t>
             </a:r>
           </a:p>
           <a:p>
@@ -4050,174 +4074,19 @@
                 <a:spcPct val="150000"/>
               </a:lnSpc>
               <a:buFont typeface="Wingdings" panose="05000000000000000000" pitchFamily="2" charset="2"/>
-              <a:buChar char="Ø"/>
+              <a:buChar char="v"/>
             </a:pPr>
             <a:r>
-              <a:rPr lang="en-IN" sz="2500" dirty="0">
-                <a:solidFill>
-                  <a:schemeClr val="accent2">
-                    <a:lumMod val="60000"/>
-                    <a:lumOff val="40000"/>
+              <a:rPr lang="en-IN" sz="2000" dirty="0">
+                <a:solidFill>
+                  <a:schemeClr val="accent5">
+                    <a:lumMod val="40000"/>
+                    <a:lumOff val="60000"/>
                   </a:schemeClr>
                 </a:solidFill>
                 <a:latin typeface="Lato Black" panose="020F0A02020204030203" pitchFamily="34" charset="0"/>
               </a:rPr>
-              <a:t>Data Cleaning</a:t>
-            </a:r>
-          </a:p>
-        </p:txBody>
-      </p:sp>
-      <p:sp>
-        <p:nvSpPr>
-          <p:cNvPr id="11" name="TextBox 10">
-            <a:extLst>
-              <a:ext uri="{FF2B5EF4-FFF2-40B4-BE49-F238E27FC236}">
-                <a16:creationId xmlns:a16="http://schemas.microsoft.com/office/drawing/2014/main" id="{C2F8F0A5-64E6-720F-8A01-E10C56466A48}"/>
-              </a:ext>
-            </a:extLst>
-          </p:cNvPr>
-          <p:cNvSpPr txBox="1"/>
-          <p:nvPr/>
-        </p:nvSpPr>
-        <p:spPr>
-          <a:xfrm>
-            <a:off x="6884552" y="1776738"/>
-            <a:ext cx="5307448" cy="3478837"/>
-          </a:xfrm>
-          <a:prstGeom prst="rect">
-            <a:avLst/>
-          </a:prstGeom>
-          <a:noFill/>
-        </p:spPr>
-        <p:txBody>
-          <a:bodyPr wrap="square" rtlCol="0">
-            <a:spAutoFit/>
-          </a:bodyPr>
-          <a:lstStyle/>
-          <a:p>
-            <a:pPr marL="342900" indent="-342900">
-              <a:lnSpc>
-                <a:spcPct val="150000"/>
-              </a:lnSpc>
-              <a:buFont typeface="Wingdings" panose="05000000000000000000" pitchFamily="2" charset="2"/>
-              <a:buChar char="Ø"/>
-            </a:pPr>
-            <a:r>
-              <a:rPr lang="en-IN" sz="2500" dirty="0">
-                <a:solidFill>
-                  <a:schemeClr val="accent2">
-                    <a:lumMod val="60000"/>
-                    <a:lumOff val="40000"/>
-                  </a:schemeClr>
-                </a:solidFill>
-                <a:latin typeface="Lato Black" panose="020F0A02020204030203" pitchFamily="34" charset="0"/>
-              </a:rPr>
-              <a:t>Data Processing</a:t>
-            </a:r>
-          </a:p>
-          <a:p>
-            <a:pPr marL="342900" indent="-342900">
-              <a:lnSpc>
-                <a:spcPct val="150000"/>
-              </a:lnSpc>
-              <a:buFont typeface="Wingdings" panose="05000000000000000000" pitchFamily="2" charset="2"/>
-              <a:buChar char="Ø"/>
-            </a:pPr>
-            <a:r>
-              <a:rPr lang="en-IN" sz="2500" dirty="0">
-                <a:solidFill>
-                  <a:schemeClr val="accent2">
-                    <a:lumMod val="60000"/>
-                    <a:lumOff val="40000"/>
-                  </a:schemeClr>
-                </a:solidFill>
-                <a:latin typeface="Lato Black" panose="020F0A02020204030203" pitchFamily="34" charset="0"/>
-              </a:rPr>
-              <a:t>Data Modelling</a:t>
-            </a:r>
-          </a:p>
-          <a:p>
-            <a:pPr marL="342900" indent="-342900">
-              <a:lnSpc>
-                <a:spcPct val="150000"/>
-              </a:lnSpc>
-              <a:buFont typeface="Wingdings" panose="05000000000000000000" pitchFamily="2" charset="2"/>
-              <a:buChar char="Ø"/>
-            </a:pPr>
-            <a:r>
-              <a:rPr lang="en-IN" sz="2500" dirty="0">
-                <a:solidFill>
-                  <a:schemeClr val="accent2">
-                    <a:lumMod val="60000"/>
-                    <a:lumOff val="40000"/>
-                  </a:schemeClr>
-                </a:solidFill>
-                <a:latin typeface="Lato Black" panose="020F0A02020204030203" pitchFamily="34" charset="0"/>
-              </a:rPr>
-              <a:t>Time Intelligence Function</a:t>
-            </a:r>
-          </a:p>
-          <a:p>
-            <a:pPr marL="342900" indent="-342900">
-              <a:lnSpc>
-                <a:spcPct val="150000"/>
-              </a:lnSpc>
-              <a:buFont typeface="Wingdings" panose="05000000000000000000" pitchFamily="2" charset="2"/>
-              <a:buChar char="Ø"/>
-            </a:pPr>
-            <a:r>
-              <a:rPr lang="en-IN" sz="2500" dirty="0">
-                <a:solidFill>
-                  <a:schemeClr val="accent2">
-                    <a:lumMod val="60000"/>
-                    <a:lumOff val="40000"/>
-                  </a:schemeClr>
-                </a:solidFill>
-                <a:latin typeface="Lato Black" panose="020F0A02020204030203" pitchFamily="34" charset="0"/>
-              </a:rPr>
-              <a:t>Data Visualization</a:t>
-            </a:r>
-          </a:p>
-          <a:p>
-            <a:pPr marL="342900" indent="-342900">
-              <a:lnSpc>
-                <a:spcPct val="150000"/>
-              </a:lnSpc>
-              <a:buFont typeface="Wingdings" panose="05000000000000000000" pitchFamily="2" charset="2"/>
-              <a:buChar char="Ø"/>
-            </a:pPr>
-            <a:r>
-              <a:rPr lang="en-IN" sz="2500" dirty="0">
-                <a:solidFill>
-                  <a:schemeClr val="accent2">
-                    <a:lumMod val="60000"/>
-                    <a:lumOff val="40000"/>
-                  </a:schemeClr>
-                </a:solidFill>
-                <a:latin typeface="Lato Black" panose="020F0A02020204030203" pitchFamily="34" charset="0"/>
-              </a:rPr>
-              <a:t>Creating Dashboard</a:t>
-            </a:r>
-          </a:p>
-          <a:p>
-            <a:pPr marL="342900" indent="-342900">
-              <a:lnSpc>
-                <a:spcPct val="150000"/>
-              </a:lnSpc>
-              <a:buFont typeface="Wingdings" panose="05000000000000000000" pitchFamily="2" charset="2"/>
-              <a:buChar char="Ø"/>
-            </a:pPr>
-            <a:r>
-              <a:rPr lang="en-IN" sz="2500" dirty="0">
-                <a:solidFill>
-                  <a:schemeClr val="accent2">
-                    <a:lumMod val="60000"/>
-                    <a:lumOff val="40000"/>
-                  </a:schemeClr>
-                </a:solidFill>
-                <a:latin typeface="Lato Black" panose="020F0A02020204030203" pitchFamily="34" charset="0"/>
-              </a:rPr>
-              <a:t>Generating Insights</a:t>
+              <a:t>Matches won based on the result type</a:t>
             </a:r>
           </a:p>
         </p:txBody>
@@ -4225,13 +4094,25 @@
     </p:spTree>
     <p:extLst>
       <p:ext uri="{BB962C8B-B14F-4D97-AF65-F5344CB8AC3E}">
-        <p14:creationId xmlns:p14="http://schemas.microsoft.com/office/powerpoint/2010/main" val="2573254974"/>
+        <p14:creationId xmlns:p14="http://schemas.microsoft.com/office/powerpoint/2010/main" val="4276349198"/>
       </p:ext>
     </p:extLst>
   </p:cSld>
   <p:clrMapOvr>
     <a:masterClrMapping/>
   </p:clrMapOvr>
+  <mc:AlternateContent xmlns:mc="http://schemas.openxmlformats.org/markup-compatibility/2006" xmlns:p14="http://schemas.microsoft.com/office/powerpoint/2010/main">
+    <mc:Choice Requires="p14">
+      <p:transition spd="slow" p14:dur="1250">
+        <p14:flip dir="l"/>
+      </p:transition>
+    </mc:Choice>
+    <mc:Fallback xmlns="">
+      <p:transition spd="slow">
+        <p:fade/>
+      </p:transition>
+    </mc:Fallback>
+  </mc:AlternateContent>
 </p:sld>
 </file>
 
@@ -4371,17 +4252,17 @@
                 </a:solidFill>
                 <a:latin typeface="Lato Black" panose="020F0A02020204030203" pitchFamily="34" charset="0"/>
               </a:rPr>
-              <a:t>STEPS IN PROJECT</a:t>
-            </a:r>
-          </a:p>
-        </p:txBody>
-      </p:sp>
-      <p:sp>
-        <p:nvSpPr>
-          <p:cNvPr id="10" name="TextBox 9">
-            <a:extLst>
-              <a:ext uri="{FF2B5EF4-FFF2-40B4-BE49-F238E27FC236}">
-                <a16:creationId xmlns:a16="http://schemas.microsoft.com/office/drawing/2014/main" id="{83C31EAB-5FC1-181D-6CF1-16C05C517290}"/>
+              <a:t>STAKEHOLDERS</a:t>
+            </a:r>
+          </a:p>
+        </p:txBody>
+      </p:sp>
+      <p:sp>
+        <p:nvSpPr>
+          <p:cNvPr id="2" name="TextBox 1">
+            <a:extLst>
+              <a:ext uri="{FF2B5EF4-FFF2-40B4-BE49-F238E27FC236}">
+                <a16:creationId xmlns:a16="http://schemas.microsoft.com/office/drawing/2014/main" id="{F4CD944A-5589-B5EC-1951-C2413BF4A059}"/>
               </a:ext>
             </a:extLst>
           </p:cNvPr>
@@ -4390,8 +4271,8 @@
         </p:nvSpPr>
         <p:spPr>
           <a:xfrm>
-            <a:off x="534552" y="1776739"/>
-            <a:ext cx="5480052" cy="3478837"/>
+            <a:off x="1371600" y="1410336"/>
+            <a:ext cx="5480052" cy="4055919"/>
           </a:xfrm>
           <a:prstGeom prst="rect">
             <a:avLst/>
@@ -4421,7 +4302,7 @@
                 </a:solidFill>
                 <a:latin typeface="Lato Black" panose="020F0A02020204030203" pitchFamily="34" charset="0"/>
               </a:rPr>
-              <a:t>Requirement Gathering</a:t>
+              <a:t>BCCI</a:t>
             </a:r>
           </a:p>
           <a:p>
@@ -4442,7 +4323,7 @@
                 </a:solidFill>
                 <a:latin typeface="Lato Black" panose="020F0A02020204030203" pitchFamily="34" charset="0"/>
               </a:rPr>
-              <a:t>Stakeholders in Project</a:t>
+              <a:t>Franchise/ Team Owners</a:t>
             </a:r>
           </a:p>
           <a:p>
@@ -4463,7 +4344,7 @@
                 </a:solidFill>
                 <a:latin typeface="Lato Black" panose="020F0A02020204030203" pitchFamily="34" charset="0"/>
               </a:rPr>
-              <a:t>Import Data in MS SQL Server </a:t>
+              <a:t>Team Management</a:t>
             </a:r>
           </a:p>
           <a:p>
@@ -4484,7 +4365,7 @@
                 </a:solidFill>
                 <a:latin typeface="Lato Black" panose="020F0A02020204030203" pitchFamily="34" charset="0"/>
               </a:rPr>
-              <a:t>Import Data PostgreSQL DB</a:t>
+              <a:t>Coaches</a:t>
             </a:r>
           </a:p>
           <a:p>
@@ -4505,7 +4386,7 @@
                 </a:solidFill>
                 <a:latin typeface="Lato Black" panose="020F0A02020204030203" pitchFamily="34" charset="0"/>
               </a:rPr>
-              <a:t>Connecting Power BI to Database</a:t>
+              <a:t>Players</a:t>
             </a:r>
           </a:p>
           <a:p>
@@ -4526,38 +4407,9 @@
                 </a:solidFill>
                 <a:latin typeface="Lato Black" panose="020F0A02020204030203" pitchFamily="34" charset="0"/>
               </a:rPr>
-              <a:t>Data Cleaning</a:t>
-            </a:r>
-          </a:p>
-        </p:txBody>
-      </p:sp>
-      <p:sp>
-        <p:nvSpPr>
-          <p:cNvPr id="11" name="TextBox 10">
-            <a:extLst>
-              <a:ext uri="{FF2B5EF4-FFF2-40B4-BE49-F238E27FC236}">
-                <a16:creationId xmlns:a16="http://schemas.microsoft.com/office/drawing/2014/main" id="{C2F8F0A5-64E6-720F-8A01-E10C56466A48}"/>
-              </a:ext>
-            </a:extLst>
-          </p:cNvPr>
-          <p:cNvSpPr txBox="1"/>
-          <p:nvPr/>
-        </p:nvSpPr>
-        <p:spPr>
-          <a:xfrm>
-            <a:off x="6884552" y="1776738"/>
-            <a:ext cx="5307448" cy="3478837"/>
-          </a:xfrm>
-          <a:prstGeom prst="rect">
-            <a:avLst/>
-          </a:prstGeom>
-          <a:noFill/>
-        </p:spPr>
-        <p:txBody>
-          <a:bodyPr wrap="square" rtlCol="0">
-            <a:spAutoFit/>
-          </a:bodyPr>
-          <a:lstStyle/>
+              <a:t>Media</a:t>
+            </a:r>
+          </a:p>
           <a:p>
             <a:pPr marL="342900" indent="-342900">
               <a:lnSpc>
@@ -4576,112 +4428,7 @@
                 </a:solidFill>
                 <a:latin typeface="Lato Black" panose="020F0A02020204030203" pitchFamily="34" charset="0"/>
               </a:rPr>
-              <a:t>Data Processing</a:t>
-            </a:r>
-          </a:p>
-          <a:p>
-            <a:pPr marL="342900" indent="-342900">
-              <a:lnSpc>
-                <a:spcPct val="150000"/>
-              </a:lnSpc>
-              <a:buFont typeface="Wingdings" panose="05000000000000000000" pitchFamily="2" charset="2"/>
-              <a:buChar char="Ø"/>
-            </a:pPr>
-            <a:r>
-              <a:rPr lang="en-IN" sz="2500" dirty="0">
-                <a:solidFill>
-                  <a:schemeClr val="accent2">
-                    <a:lumMod val="60000"/>
-                    <a:lumOff val="40000"/>
-                  </a:schemeClr>
-                </a:solidFill>
-                <a:latin typeface="Lato Black" panose="020F0A02020204030203" pitchFamily="34" charset="0"/>
-              </a:rPr>
-              <a:t>Data Modelling</a:t>
-            </a:r>
-          </a:p>
-          <a:p>
-            <a:pPr marL="342900" indent="-342900">
-              <a:lnSpc>
-                <a:spcPct val="150000"/>
-              </a:lnSpc>
-              <a:buFont typeface="Wingdings" panose="05000000000000000000" pitchFamily="2" charset="2"/>
-              <a:buChar char="Ø"/>
-            </a:pPr>
-            <a:r>
-              <a:rPr lang="en-IN" sz="2500" dirty="0">
-                <a:solidFill>
-                  <a:schemeClr val="accent2">
-                    <a:lumMod val="60000"/>
-                    <a:lumOff val="40000"/>
-                  </a:schemeClr>
-                </a:solidFill>
-                <a:latin typeface="Lato Black" panose="020F0A02020204030203" pitchFamily="34" charset="0"/>
-              </a:rPr>
-              <a:t>Time Intelligence Function</a:t>
-            </a:r>
-          </a:p>
-          <a:p>
-            <a:pPr marL="342900" indent="-342900">
-              <a:lnSpc>
-                <a:spcPct val="150000"/>
-              </a:lnSpc>
-              <a:buFont typeface="Wingdings" panose="05000000000000000000" pitchFamily="2" charset="2"/>
-              <a:buChar char="Ø"/>
-            </a:pPr>
-            <a:r>
-              <a:rPr lang="en-IN" sz="2500" dirty="0">
-                <a:solidFill>
-                  <a:schemeClr val="accent2">
-                    <a:lumMod val="60000"/>
-                    <a:lumOff val="40000"/>
-                  </a:schemeClr>
-                </a:solidFill>
-                <a:latin typeface="Lato Black" panose="020F0A02020204030203" pitchFamily="34" charset="0"/>
-              </a:rPr>
-              <a:t>Data Visualization</a:t>
-            </a:r>
-          </a:p>
-          <a:p>
-            <a:pPr marL="342900" indent="-342900">
-              <a:lnSpc>
-                <a:spcPct val="150000"/>
-              </a:lnSpc>
-              <a:buFont typeface="Wingdings" panose="05000000000000000000" pitchFamily="2" charset="2"/>
-              <a:buChar char="Ø"/>
-            </a:pPr>
-            <a:r>
-              <a:rPr lang="en-IN" sz="2500" dirty="0">
-                <a:solidFill>
-                  <a:schemeClr val="accent2">
-                    <a:lumMod val="60000"/>
-                    <a:lumOff val="40000"/>
-                  </a:schemeClr>
-                </a:solidFill>
-                <a:latin typeface="Lato Black" panose="020F0A02020204030203" pitchFamily="34" charset="0"/>
-              </a:rPr>
-              <a:t>Creating Dashboard</a:t>
-            </a:r>
-          </a:p>
-          <a:p>
-            <a:pPr marL="342900" indent="-342900">
-              <a:lnSpc>
-                <a:spcPct val="150000"/>
-              </a:lnSpc>
-              <a:buFont typeface="Wingdings" panose="05000000000000000000" pitchFamily="2" charset="2"/>
-              <a:buChar char="Ø"/>
-            </a:pPr>
-            <a:r>
-              <a:rPr lang="en-IN" sz="2500" dirty="0">
-                <a:solidFill>
-                  <a:schemeClr val="accent2">
-                    <a:lumMod val="60000"/>
-                    <a:lumOff val="40000"/>
-                  </a:schemeClr>
-                </a:solidFill>
-                <a:latin typeface="Lato Black" panose="020F0A02020204030203" pitchFamily="34" charset="0"/>
-              </a:rPr>
-              <a:t>Generating Insights</a:t>
+              <a:t>Public</a:t>
             </a:r>
           </a:p>
         </p:txBody>
@@ -4689,13 +4436,25 @@
     </p:spTree>
     <p:extLst>
       <p:ext uri="{BB962C8B-B14F-4D97-AF65-F5344CB8AC3E}">
-        <p14:creationId xmlns:p14="http://schemas.microsoft.com/office/powerpoint/2010/main" val="2300265596"/>
+        <p14:creationId xmlns:p14="http://schemas.microsoft.com/office/powerpoint/2010/main" val="867608466"/>
       </p:ext>
     </p:extLst>
   </p:cSld>
   <p:clrMapOvr>
     <a:masterClrMapping/>
   </p:clrMapOvr>
+  <mc:AlternateContent xmlns:mc="http://schemas.openxmlformats.org/markup-compatibility/2006" xmlns:p14="http://schemas.microsoft.com/office/powerpoint/2010/main">
+    <mc:Choice Requires="p14">
+      <p:transition spd="slow" p14:dur="1250">
+        <p14:flip dir="l"/>
+      </p:transition>
+    </mc:Choice>
+    <mc:Fallback xmlns="">
+      <p:transition spd="slow">
+        <p:fade/>
+      </p:transition>
+    </mc:Fallback>
+  </mc:AlternateContent>
 </p:sld>
 </file>
 
@@ -4814,8 +4573,8 @@
         </p:nvSpPr>
         <p:spPr>
           <a:xfrm>
-            <a:off x="1371600" y="216725"/>
-            <a:ext cx="5709920" cy="769441"/>
+            <a:off x="1371600" y="324447"/>
+            <a:ext cx="9123680" cy="553998"/>
           </a:xfrm>
           <a:prstGeom prst="rect">
             <a:avLst/>
@@ -4829,23 +4588,23 @@
           <a:lstStyle/>
           <a:p>
             <a:r>
-              <a:rPr lang="en-IN" sz="4400" dirty="0">
+              <a:rPr lang="en-IN" sz="3000" dirty="0">
                 <a:solidFill>
                   <a:schemeClr val="bg1"/>
                 </a:solidFill>
                 <a:latin typeface="Lato Black" panose="020F0A02020204030203" pitchFamily="34" charset="0"/>
               </a:rPr>
-              <a:t>STEPS IN PROJECT</a:t>
-            </a:r>
-          </a:p>
-        </p:txBody>
-      </p:sp>
-      <p:sp>
-        <p:nvSpPr>
-          <p:cNvPr id="10" name="TextBox 9">
-            <a:extLst>
-              <a:ext uri="{FF2B5EF4-FFF2-40B4-BE49-F238E27FC236}">
-                <a16:creationId xmlns:a16="http://schemas.microsoft.com/office/drawing/2014/main" id="{83C31EAB-5FC1-181D-6CF1-16C05C517290}"/>
+              <a:t>POWER BI FUNCTIONALITIES IMPLEMENTED </a:t>
+            </a:r>
+          </a:p>
+        </p:txBody>
+      </p:sp>
+      <p:sp>
+        <p:nvSpPr>
+          <p:cNvPr id="2" name="TextBox 1">
+            <a:extLst>
+              <a:ext uri="{FF2B5EF4-FFF2-40B4-BE49-F238E27FC236}">
+                <a16:creationId xmlns:a16="http://schemas.microsoft.com/office/drawing/2014/main" id="{F4CD944A-5589-B5EC-1951-C2413BF4A059}"/>
               </a:ext>
             </a:extLst>
           </p:cNvPr>
@@ -4854,8 +4613,8 @@
         </p:nvSpPr>
         <p:spPr>
           <a:xfrm>
-            <a:off x="534552" y="1776739"/>
-            <a:ext cx="5480052" cy="3478837"/>
+            <a:off x="1239519" y="1082082"/>
+            <a:ext cx="8619491" cy="5571525"/>
           </a:xfrm>
           <a:prstGeom prst="rect">
             <a:avLst/>
@@ -4876,7 +4635,7 @@
               <a:buChar char="Ø"/>
             </a:pPr>
             <a:r>
-              <a:rPr lang="en-IN" sz="2500" dirty="0">
+              <a:rPr lang="en-IN" sz="2000" dirty="0">
                 <a:solidFill>
                   <a:schemeClr val="accent2">
                     <a:lumMod val="60000"/>
@@ -4885,7 +4644,16 @@
                 </a:solidFill>
                 <a:latin typeface="Lato Black" panose="020F0A02020204030203" pitchFamily="34" charset="0"/>
               </a:rPr>
-              <a:t>Requirement Gathering</a:t>
+              <a:t>How to </a:t>
+            </a:r>
+            <a:r>
+              <a:rPr lang="en-IN" sz="2000" dirty="0">
+                <a:solidFill>
+                  <a:schemeClr val="bg1"/>
+                </a:solidFill>
+                <a:latin typeface="Lato Black" panose="020F0A02020204030203" pitchFamily="34" charset="0"/>
+              </a:rPr>
+              <a:t>connect Power BI to MS SQL server and PostgreSQL</a:t>
             </a:r>
           </a:p>
           <a:p>
@@ -4897,7 +4665,7 @@
               <a:buChar char="Ø"/>
             </a:pPr>
             <a:r>
-              <a:rPr lang="en-IN" sz="2500" dirty="0">
+              <a:rPr lang="en-IN" sz="2000" dirty="0">
                 <a:solidFill>
                   <a:schemeClr val="accent2">
                     <a:lumMod val="60000"/>
@@ -4906,7 +4674,7 @@
                 </a:solidFill>
                 <a:latin typeface="Lato Black" panose="020F0A02020204030203" pitchFamily="34" charset="0"/>
               </a:rPr>
-              <a:t>Stakeholders in Project</a:t>
+              <a:t>Data Modelling with three tables</a:t>
             </a:r>
           </a:p>
           <a:p>
@@ -4918,7 +4686,7 @@
               <a:buChar char="Ø"/>
             </a:pPr>
             <a:r>
-              <a:rPr lang="en-IN" sz="2500" dirty="0">
+              <a:rPr lang="en-IN" sz="2000" dirty="0">
                 <a:solidFill>
                   <a:schemeClr val="accent2">
                     <a:lumMod val="60000"/>
@@ -4927,7 +4695,7 @@
                 </a:solidFill>
                 <a:latin typeface="Lato Black" panose="020F0A02020204030203" pitchFamily="34" charset="0"/>
               </a:rPr>
-              <a:t>Import Data in MS SQL Server </a:t>
+              <a:t>Data cleaning in Power Query</a:t>
             </a:r>
           </a:p>
           <a:p>
@@ -4939,7 +4707,7 @@
               <a:buChar char="Ø"/>
             </a:pPr>
             <a:r>
-              <a:rPr lang="en-IN" sz="2500" dirty="0">
+              <a:rPr lang="en-IN" sz="2000" dirty="0">
                 <a:solidFill>
                   <a:schemeClr val="accent2">
                     <a:lumMod val="60000"/>
@@ -4948,7 +4716,7 @@
                 </a:solidFill>
                 <a:latin typeface="Lato Black" panose="020F0A02020204030203" pitchFamily="34" charset="0"/>
               </a:rPr>
-              <a:t>Import Data PostgreSQL DB</a:t>
+              <a:t>Time Intelligence function</a:t>
             </a:r>
           </a:p>
           <a:p>
@@ -4960,7 +4728,7 @@
               <a:buChar char="Ø"/>
             </a:pPr>
             <a:r>
-              <a:rPr lang="en-IN" sz="2500" dirty="0">
+              <a:rPr lang="en-IN" sz="2000" dirty="0">
                 <a:solidFill>
                   <a:schemeClr val="accent2">
                     <a:lumMod val="60000"/>
@@ -4969,7 +4737,7 @@
                 </a:solidFill>
                 <a:latin typeface="Lato Black" panose="020F0A02020204030203" pitchFamily="34" charset="0"/>
               </a:rPr>
-              <a:t>Connecting Power BI to Database</a:t>
+              <a:t>Creating KPI’s</a:t>
             </a:r>
           </a:p>
           <a:p>
@@ -4981,7 +4749,7 @@
               <a:buChar char="Ø"/>
             </a:pPr>
             <a:r>
-              <a:rPr lang="en-IN" sz="2500" dirty="0">
+              <a:rPr lang="en-IN" sz="2000" dirty="0">
                 <a:solidFill>
                   <a:schemeClr val="accent2">
                     <a:lumMod val="60000"/>
@@ -4990,38 +4758,9 @@
                 </a:solidFill>
                 <a:latin typeface="Lato Black" panose="020F0A02020204030203" pitchFamily="34" charset="0"/>
               </a:rPr>
-              <a:t>Data Cleaning</a:t>
-            </a:r>
-          </a:p>
-        </p:txBody>
-      </p:sp>
-      <p:sp>
-        <p:nvSpPr>
-          <p:cNvPr id="11" name="TextBox 10">
-            <a:extLst>
-              <a:ext uri="{FF2B5EF4-FFF2-40B4-BE49-F238E27FC236}">
-                <a16:creationId xmlns:a16="http://schemas.microsoft.com/office/drawing/2014/main" id="{C2F8F0A5-64E6-720F-8A01-E10C56466A48}"/>
-              </a:ext>
-            </a:extLst>
-          </p:cNvPr>
-          <p:cNvSpPr txBox="1"/>
-          <p:nvPr/>
-        </p:nvSpPr>
-        <p:spPr>
-          <a:xfrm>
-            <a:off x="6884552" y="1776738"/>
-            <a:ext cx="5307448" cy="3478837"/>
-          </a:xfrm>
-          <a:prstGeom prst="rect">
-            <a:avLst/>
-          </a:prstGeom>
-          <a:noFill/>
-        </p:spPr>
-        <p:txBody>
-          <a:bodyPr wrap="square" rtlCol="0">
-            <a:spAutoFit/>
-          </a:bodyPr>
-          <a:lstStyle/>
+              <a:t>Dax Queries</a:t>
+            </a:r>
+          </a:p>
           <a:p>
             <a:pPr marL="342900" indent="-342900">
               <a:lnSpc>
@@ -5031,7 +4770,7 @@
               <a:buChar char="Ø"/>
             </a:pPr>
             <a:r>
-              <a:rPr lang="en-IN" sz="2500" dirty="0">
+              <a:rPr lang="en-IN" sz="2000" dirty="0">
                 <a:solidFill>
                   <a:schemeClr val="accent2">
                     <a:lumMod val="60000"/>
@@ -5040,7 +4779,7 @@
                 </a:solidFill>
                 <a:latin typeface="Lato Black" panose="020F0A02020204030203" pitchFamily="34" charset="0"/>
               </a:rPr>
-              <a:t>Data Processing</a:t>
+              <a:t>Creating and Formatting charts</a:t>
             </a:r>
           </a:p>
           <a:p>
@@ -5052,7 +4791,7 @@
               <a:buChar char="Ø"/>
             </a:pPr>
             <a:r>
-              <a:rPr lang="en-IN" sz="2500" dirty="0">
+              <a:rPr lang="en-IN" sz="2000" dirty="0">
                 <a:solidFill>
                   <a:schemeClr val="accent2">
                     <a:lumMod val="60000"/>
@@ -5061,7 +4800,70 @@
                 </a:solidFill>
                 <a:latin typeface="Lato Black" panose="020F0A02020204030203" pitchFamily="34" charset="0"/>
               </a:rPr>
-              <a:t>Data Modelling</a:t>
+              <a:t>Different DAX functions like </a:t>
+            </a:r>
+            <a:r>
+              <a:rPr lang="en-IN" sz="2000" dirty="0">
+                <a:solidFill>
+                  <a:schemeClr val="bg1"/>
+                </a:solidFill>
+                <a:latin typeface="Lato Black" panose="020F0A02020204030203" pitchFamily="34" charset="0"/>
+              </a:rPr>
+              <a:t>Calculate, Sum, </a:t>
+            </a:r>
+            <a:r>
+              <a:rPr lang="en-IN" sz="2000" dirty="0" err="1">
+                <a:solidFill>
+                  <a:schemeClr val="bg1"/>
+                </a:solidFill>
+                <a:latin typeface="Lato Black" panose="020F0A02020204030203" pitchFamily="34" charset="0"/>
+              </a:rPr>
+              <a:t>Sumx</a:t>
+            </a:r>
+            <a:r>
+              <a:rPr lang="en-IN" sz="2000" dirty="0">
+                <a:solidFill>
+                  <a:schemeClr val="bg1"/>
+                </a:solidFill>
+                <a:latin typeface="Lato Black" panose="020F0A02020204030203" pitchFamily="34" charset="0"/>
+              </a:rPr>
+              <a:t>, Filter, </a:t>
+            </a:r>
+            <a:r>
+              <a:rPr lang="en-IN" sz="2000" dirty="0" err="1">
+                <a:solidFill>
+                  <a:schemeClr val="bg1"/>
+                </a:solidFill>
+                <a:latin typeface="Lato Black" panose="020F0A02020204030203" pitchFamily="34" charset="0"/>
+              </a:rPr>
+              <a:t>Allselected</a:t>
+            </a:r>
+            <a:r>
+              <a:rPr lang="en-IN" sz="2000" dirty="0">
+                <a:solidFill>
+                  <a:schemeClr val="bg1"/>
+                </a:solidFill>
+                <a:latin typeface="Lato Black" panose="020F0A02020204030203" pitchFamily="34" charset="0"/>
+              </a:rPr>
+              <a:t>, values, </a:t>
+            </a:r>
+            <a:r>
+              <a:rPr lang="en-IN" sz="2000" dirty="0" err="1">
+                <a:solidFill>
+                  <a:schemeClr val="bg1"/>
+                </a:solidFill>
+                <a:latin typeface="Lato Black" panose="020F0A02020204030203" pitchFamily="34" charset="0"/>
+              </a:rPr>
+              <a:t>selectedvalue</a:t>
+            </a:r>
+            <a:r>
+              <a:rPr lang="en-IN" sz="2000" dirty="0">
+                <a:solidFill>
+                  <a:schemeClr val="bg1"/>
+                </a:solidFill>
+                <a:latin typeface="Lato Black" panose="020F0A02020204030203" pitchFamily="34" charset="0"/>
+              </a:rPr>
+              <a:t>, return, concatenate, divide, etc</a:t>
             </a:r>
           </a:p>
           <a:p>
@@ -5073,7 +4875,7 @@
               <a:buChar char="Ø"/>
             </a:pPr>
             <a:r>
-              <a:rPr lang="en-IN" sz="2500" dirty="0">
+              <a:rPr lang="en-IN" sz="2000" dirty="0">
                 <a:solidFill>
                   <a:schemeClr val="accent2">
                     <a:lumMod val="60000"/>
@@ -5082,7 +4884,7 @@
                 </a:solidFill>
                 <a:latin typeface="Lato Black" panose="020F0A02020204030203" pitchFamily="34" charset="0"/>
               </a:rPr>
-              <a:t>Time Intelligence Function</a:t>
+              <a:t>Creating different shapes and formatting</a:t>
             </a:r>
           </a:p>
           <a:p>
@@ -5094,7 +4896,7 @@
               <a:buChar char="Ø"/>
             </a:pPr>
             <a:r>
-              <a:rPr lang="en-IN" sz="2500" dirty="0">
+              <a:rPr lang="en-IN" sz="2000" dirty="0">
                 <a:solidFill>
                   <a:schemeClr val="accent2">
                     <a:lumMod val="60000"/>
@@ -5103,7 +4905,7 @@
                 </a:solidFill>
                 <a:latin typeface="Lato Black" panose="020F0A02020204030203" pitchFamily="34" charset="0"/>
               </a:rPr>
-              <a:t>Data Visualization</a:t>
+              <a:t>Generating insights from charts</a:t>
             </a:r>
           </a:p>
           <a:p>
@@ -5115,7 +4917,7 @@
               <a:buChar char="Ø"/>
             </a:pPr>
             <a:r>
-              <a:rPr lang="en-IN" sz="2500" dirty="0">
+              <a:rPr lang="en-IN" sz="2000" dirty="0">
                 <a:solidFill>
                   <a:schemeClr val="accent2">
                     <a:lumMod val="60000"/>
@@ -5124,28 +4926,7 @@
                 </a:solidFill>
                 <a:latin typeface="Lato Black" panose="020F0A02020204030203" pitchFamily="34" charset="0"/>
               </a:rPr>
-              <a:t>Creating Dashboard</a:t>
-            </a:r>
-          </a:p>
-          <a:p>
-            <a:pPr marL="342900" indent="-342900">
-              <a:lnSpc>
-                <a:spcPct val="150000"/>
-              </a:lnSpc>
-              <a:buFont typeface="Wingdings" panose="05000000000000000000" pitchFamily="2" charset="2"/>
-              <a:buChar char="Ø"/>
-            </a:pPr>
-            <a:r>
-              <a:rPr lang="en-IN" sz="2500" dirty="0">
-                <a:solidFill>
-                  <a:schemeClr val="accent2">
-                    <a:lumMod val="60000"/>
-                    <a:lumOff val="40000"/>
-                  </a:schemeClr>
-                </a:solidFill>
-                <a:latin typeface="Lato Black" panose="020F0A02020204030203" pitchFamily="34" charset="0"/>
-              </a:rPr>
-              <a:t>Generating Insights</a:t>
+              <a:t>Export report</a:t>
             </a:r>
           </a:p>
         </p:txBody>
@@ -5153,13 +4934,25 @@
     </p:spTree>
     <p:extLst>
       <p:ext uri="{BB962C8B-B14F-4D97-AF65-F5344CB8AC3E}">
-        <p14:creationId xmlns:p14="http://schemas.microsoft.com/office/powerpoint/2010/main" val="2737923339"/>
+        <p14:creationId xmlns:p14="http://schemas.microsoft.com/office/powerpoint/2010/main" val="2442016872"/>
       </p:ext>
     </p:extLst>
   </p:cSld>
   <p:clrMapOvr>
     <a:masterClrMapping/>
   </p:clrMapOvr>
+  <mc:AlternateContent xmlns:mc="http://schemas.openxmlformats.org/markup-compatibility/2006" xmlns:p14="http://schemas.microsoft.com/office/powerpoint/2010/main">
+    <mc:Choice Requires="p14">
+      <p:transition spd="slow" p14:dur="1250">
+        <p14:flip dir="l"/>
+      </p:transition>
+    </mc:Choice>
+    <mc:Fallback xmlns="">
+      <p:transition spd="slow">
+        <p:fade/>
+      </p:transition>
+    </mc:Fallback>
+  </mc:AlternateContent>
 </p:sld>
 </file>
 
